--- a/docs/diagrams/LogicComponentSequenceDiagram.pptx
+++ b/docs/diagrams/LogicComponentSequenceDiagram.pptx
@@ -212,7 +212,7 @@
           <a:p>
             <a:fld id="{F5CC4B3F-88C1-4FFA-B1B6-F41C21DC6924}" type="datetimeFigureOut">
               <a:rPr lang="en-US" smtClean="0"/>
-              <a:t>7/11/2017</a:t>
+              <a:t>3/23/2018</a:t>
             </a:fld>
             <a:endParaRPr lang="en-US"/>
           </a:p>
@@ -658,7 +658,7 @@
           <a:p>
             <a:fld id="{78C97017-6FC3-485B-9764-EAC9E56C1D49}" type="datetimeFigureOut">
               <a:rPr lang="en-US" smtClean="0"/>
-              <a:t>7/11/2017</a:t>
+              <a:t>3/23/2018</a:t>
             </a:fld>
             <a:endParaRPr lang="en-US"/>
           </a:p>
@@ -826,7 +826,7 @@
           <a:p>
             <a:fld id="{78C97017-6FC3-485B-9764-EAC9E56C1D49}" type="datetimeFigureOut">
               <a:rPr lang="en-US" smtClean="0"/>
-              <a:t>7/11/2017</a:t>
+              <a:t>3/23/2018</a:t>
             </a:fld>
             <a:endParaRPr lang="en-US"/>
           </a:p>
@@ -1004,7 +1004,7 @@
           <a:p>
             <a:fld id="{78C97017-6FC3-485B-9764-EAC9E56C1D49}" type="datetimeFigureOut">
               <a:rPr lang="en-US" smtClean="0"/>
-              <a:t>7/11/2017</a:t>
+              <a:t>3/23/2018</a:t>
             </a:fld>
             <a:endParaRPr lang="en-US"/>
           </a:p>
@@ -1172,7 +1172,7 @@
           <a:p>
             <a:fld id="{78C97017-6FC3-485B-9764-EAC9E56C1D49}" type="datetimeFigureOut">
               <a:rPr lang="en-US" smtClean="0"/>
-              <a:t>7/11/2017</a:t>
+              <a:t>3/23/2018</a:t>
             </a:fld>
             <a:endParaRPr lang="en-US"/>
           </a:p>
@@ -1417,7 +1417,7 @@
           <a:p>
             <a:fld id="{78C97017-6FC3-485B-9764-EAC9E56C1D49}" type="datetimeFigureOut">
               <a:rPr lang="en-US" smtClean="0"/>
-              <a:t>7/11/2017</a:t>
+              <a:t>3/23/2018</a:t>
             </a:fld>
             <a:endParaRPr lang="en-US"/>
           </a:p>
@@ -1702,7 +1702,7 @@
           <a:p>
             <a:fld id="{78C97017-6FC3-485B-9764-EAC9E56C1D49}" type="datetimeFigureOut">
               <a:rPr lang="en-US" smtClean="0"/>
-              <a:t>7/11/2017</a:t>
+              <a:t>3/23/2018</a:t>
             </a:fld>
             <a:endParaRPr lang="en-US"/>
           </a:p>
@@ -2121,7 +2121,7 @@
           <a:p>
             <a:fld id="{78C97017-6FC3-485B-9764-EAC9E56C1D49}" type="datetimeFigureOut">
               <a:rPr lang="en-US" smtClean="0"/>
-              <a:t>7/11/2017</a:t>
+              <a:t>3/23/2018</a:t>
             </a:fld>
             <a:endParaRPr lang="en-US"/>
           </a:p>
@@ -2238,7 +2238,7 @@
           <a:p>
             <a:fld id="{78C97017-6FC3-485B-9764-EAC9E56C1D49}" type="datetimeFigureOut">
               <a:rPr lang="en-US" smtClean="0"/>
-              <a:t>7/11/2017</a:t>
+              <a:t>3/23/2018</a:t>
             </a:fld>
             <a:endParaRPr lang="en-US"/>
           </a:p>
@@ -2333,7 +2333,7 @@
           <a:p>
             <a:fld id="{78C97017-6FC3-485B-9764-EAC9E56C1D49}" type="datetimeFigureOut">
               <a:rPr lang="en-US" smtClean="0"/>
-              <a:t>7/11/2017</a:t>
+              <a:t>3/23/2018</a:t>
             </a:fld>
             <a:endParaRPr lang="en-US"/>
           </a:p>
@@ -2608,7 +2608,7 @@
           <a:p>
             <a:fld id="{78C97017-6FC3-485B-9764-EAC9E56C1D49}" type="datetimeFigureOut">
               <a:rPr lang="en-US" smtClean="0"/>
-              <a:t>7/11/2017</a:t>
+              <a:t>3/23/2018</a:t>
             </a:fld>
             <a:endParaRPr lang="en-US"/>
           </a:p>
@@ -2860,7 +2860,7 @@
           <a:p>
             <a:fld id="{78C97017-6FC3-485B-9764-EAC9E56C1D49}" type="datetimeFigureOut">
               <a:rPr lang="en-US" smtClean="0"/>
-              <a:t>7/11/2017</a:t>
+              <a:t>3/23/2018</a:t>
             </a:fld>
             <a:endParaRPr lang="en-US"/>
           </a:p>
@@ -3071,7 +3071,7 @@
           <a:p>
             <a:fld id="{78C97017-6FC3-485B-9764-EAC9E56C1D49}" type="datetimeFigureOut">
               <a:rPr lang="en-US" smtClean="0"/>
-              <a:t>7/11/2017</a:t>
+              <a:t>3/23/2018</a:t>
             </a:fld>
             <a:endParaRPr lang="en-US"/>
           </a:p>
@@ -4057,7 +4057,7 @@
         <p:spPr>
           <a:xfrm>
             <a:off x="0" y="2743200"/>
-            <a:ext cx="1424846" cy="215444"/>
+            <a:ext cx="1529052" cy="215444"/>
           </a:xfrm>
           <a:prstGeom prst="rect">
             <a:avLst/>
@@ -4077,7 +4077,7 @@
                   <a:srgbClr val="0070C0"/>
                 </a:solidFill>
               </a:rPr>
-              <a:t>execute(“delete 1”)</a:t>
+              <a:t>execute(“delete s 1”)</a:t>
             </a:r>
           </a:p>
         </p:txBody>
@@ -4640,7 +4640,7 @@
         </p:nvSpPr>
         <p:spPr>
           <a:xfrm>
-            <a:off x="6984957" y="4267200"/>
+            <a:off x="7109554" y="4267200"/>
             <a:ext cx="1424846" cy="215444"/>
           </a:xfrm>
           <a:prstGeom prst="rect">
@@ -4671,7 +4671,7 @@
                   <a:srgbClr val="7030A0"/>
                 </a:solidFill>
               </a:rPr>
-              <a:t>deletePerson</a:t>
+              <a:t>deleteClient</a:t>
             </a:r>
             <a:r>
               <a:rPr lang="en-US" dirty="0">
@@ -4679,7 +4679,7 @@
                   <a:srgbClr val="7030A0"/>
                 </a:solidFill>
               </a:rPr>
-              <a:t>(p)</a:t>
+              <a:t>(“s”, p)</a:t>
             </a:r>
           </a:p>
         </p:txBody>
@@ -4692,8 +4692,8 @@
         </p:nvSpPr>
         <p:spPr>
           <a:xfrm>
-            <a:off x="3847551" y="3657600"/>
-            <a:ext cx="767033" cy="184666"/>
+            <a:off x="3758048" y="3657600"/>
+            <a:ext cx="1042552" cy="184666"/>
           </a:xfrm>
           <a:prstGeom prst="rect">
             <a:avLst/>
@@ -4719,7 +4719,7 @@
           <a:p>
             <a:r>
               <a:rPr lang="en-US" sz="1200" dirty="0"/>
-              <a:t>parse(“1”)</a:t>
+              <a:t>parse(“s”, “1”)</a:t>
             </a:r>
           </a:p>
         </p:txBody>
@@ -4759,7 +4759,7 @@
           <a:p>
             <a:r>
               <a:rPr lang="en-US" dirty="0"/>
-              <a:t>parse(“delete 1”)</a:t>
+              <a:t>parse(“delete s 1”)</a:t>
             </a:r>
           </a:p>
         </p:txBody>

--- a/docs/diagrams/LogicComponentSequenceDiagram.pptx
+++ b/docs/diagrams/LogicComponentSequenceDiagram.pptx
@@ -212,7 +212,7 @@
           <a:p>
             <a:fld id="{F5CC4B3F-88C1-4FFA-B1B6-F41C21DC6924}" type="datetimeFigureOut">
               <a:rPr lang="en-US" smtClean="0"/>
-              <a:t>7/11/2017</a:t>
+              <a:t>3/30/2018</a:t>
             </a:fld>
             <a:endParaRPr lang="en-US"/>
           </a:p>
@@ -658,7 +658,7 @@
           <a:p>
             <a:fld id="{78C97017-6FC3-485B-9764-EAC9E56C1D49}" type="datetimeFigureOut">
               <a:rPr lang="en-US" smtClean="0"/>
-              <a:t>7/11/2017</a:t>
+              <a:t>3/30/2018</a:t>
             </a:fld>
             <a:endParaRPr lang="en-US"/>
           </a:p>
@@ -826,7 +826,7 @@
           <a:p>
             <a:fld id="{78C97017-6FC3-485B-9764-EAC9E56C1D49}" type="datetimeFigureOut">
               <a:rPr lang="en-US" smtClean="0"/>
-              <a:t>7/11/2017</a:t>
+              <a:t>3/30/2018</a:t>
             </a:fld>
             <a:endParaRPr lang="en-US"/>
           </a:p>
@@ -1004,7 +1004,7 @@
           <a:p>
             <a:fld id="{78C97017-6FC3-485B-9764-EAC9E56C1D49}" type="datetimeFigureOut">
               <a:rPr lang="en-US" smtClean="0"/>
-              <a:t>7/11/2017</a:t>
+              <a:t>3/30/2018</a:t>
             </a:fld>
             <a:endParaRPr lang="en-US"/>
           </a:p>
@@ -1172,7 +1172,7 @@
           <a:p>
             <a:fld id="{78C97017-6FC3-485B-9764-EAC9E56C1D49}" type="datetimeFigureOut">
               <a:rPr lang="en-US" smtClean="0"/>
-              <a:t>7/11/2017</a:t>
+              <a:t>3/30/2018</a:t>
             </a:fld>
             <a:endParaRPr lang="en-US"/>
           </a:p>
@@ -1417,7 +1417,7 @@
           <a:p>
             <a:fld id="{78C97017-6FC3-485B-9764-EAC9E56C1D49}" type="datetimeFigureOut">
               <a:rPr lang="en-US" smtClean="0"/>
-              <a:t>7/11/2017</a:t>
+              <a:t>3/30/2018</a:t>
             </a:fld>
             <a:endParaRPr lang="en-US"/>
           </a:p>
@@ -1702,7 +1702,7 @@
           <a:p>
             <a:fld id="{78C97017-6FC3-485B-9764-EAC9E56C1D49}" type="datetimeFigureOut">
               <a:rPr lang="en-US" smtClean="0"/>
-              <a:t>7/11/2017</a:t>
+              <a:t>3/30/2018</a:t>
             </a:fld>
             <a:endParaRPr lang="en-US"/>
           </a:p>
@@ -2121,7 +2121,7 @@
           <a:p>
             <a:fld id="{78C97017-6FC3-485B-9764-EAC9E56C1D49}" type="datetimeFigureOut">
               <a:rPr lang="en-US" smtClean="0"/>
-              <a:t>7/11/2017</a:t>
+              <a:t>3/30/2018</a:t>
             </a:fld>
             <a:endParaRPr lang="en-US"/>
           </a:p>
@@ -2238,7 +2238,7 @@
           <a:p>
             <a:fld id="{78C97017-6FC3-485B-9764-EAC9E56C1D49}" type="datetimeFigureOut">
               <a:rPr lang="en-US" smtClean="0"/>
-              <a:t>7/11/2017</a:t>
+              <a:t>3/30/2018</a:t>
             </a:fld>
             <a:endParaRPr lang="en-US"/>
           </a:p>
@@ -2333,7 +2333,7 @@
           <a:p>
             <a:fld id="{78C97017-6FC3-485B-9764-EAC9E56C1D49}" type="datetimeFigureOut">
               <a:rPr lang="en-US" smtClean="0"/>
-              <a:t>7/11/2017</a:t>
+              <a:t>3/30/2018</a:t>
             </a:fld>
             <a:endParaRPr lang="en-US"/>
           </a:p>
@@ -2608,7 +2608,7 @@
           <a:p>
             <a:fld id="{78C97017-6FC3-485B-9764-EAC9E56C1D49}" type="datetimeFigureOut">
               <a:rPr lang="en-US" smtClean="0"/>
-              <a:t>7/11/2017</a:t>
+              <a:t>3/30/2018</a:t>
             </a:fld>
             <a:endParaRPr lang="en-US"/>
           </a:p>
@@ -2860,7 +2860,7 @@
           <a:p>
             <a:fld id="{78C97017-6FC3-485B-9764-EAC9E56C1D49}" type="datetimeFigureOut">
               <a:rPr lang="en-US" smtClean="0"/>
-              <a:t>7/11/2017</a:t>
+              <a:t>3/30/2018</a:t>
             </a:fld>
             <a:endParaRPr lang="en-US"/>
           </a:p>
@@ -3071,7 +3071,7 @@
           <a:p>
             <a:fld id="{78C97017-6FC3-485B-9764-EAC9E56C1D49}" type="datetimeFigureOut">
               <a:rPr lang="en-US" smtClean="0"/>
-              <a:t>7/11/2017</a:t>
+              <a:t>3/30/2018</a:t>
             </a:fld>
             <a:endParaRPr lang="en-US"/>
           </a:p>
@@ -4056,8 +4056,8 @@
         </p:nvSpPr>
         <p:spPr>
           <a:xfrm>
-            <a:off x="0" y="2743200"/>
-            <a:ext cx="1424846" cy="215444"/>
+            <a:off x="-275323" y="2743200"/>
+            <a:ext cx="1700169" cy="215444"/>
           </a:xfrm>
           <a:prstGeom prst="rect">
             <a:avLst/>
@@ -4077,7 +4077,7 @@
                   <a:srgbClr val="0070C0"/>
                 </a:solidFill>
               </a:rPr>
-              <a:t>execute(“delete 1”)</a:t>
+              <a:t>execute(“delete 1 c/s”)</a:t>
             </a:r>
           </a:p>
         </p:txBody>
@@ -4671,7 +4671,7 @@
                   <a:srgbClr val="7030A0"/>
                 </a:solidFill>
               </a:rPr>
-              <a:t>deletePerson</a:t>
+              <a:t>deleteClient</a:t>
             </a:r>
             <a:r>
               <a:rPr lang="en-US" dirty="0">
@@ -4679,7 +4679,7 @@
                   <a:srgbClr val="7030A0"/>
                 </a:solidFill>
               </a:rPr>
-              <a:t>(p)</a:t>
+              <a:t>(p, c)</a:t>
             </a:r>
           </a:p>
         </p:txBody>
@@ -4692,8 +4692,8 @@
         </p:nvSpPr>
         <p:spPr>
           <a:xfrm>
-            <a:off x="3847551" y="3657600"/>
-            <a:ext cx="767033" cy="184666"/>
+            <a:off x="3783077" y="3657335"/>
+            <a:ext cx="894416" cy="184666"/>
           </a:xfrm>
           <a:prstGeom prst="rect">
             <a:avLst/>
@@ -4719,7 +4719,7 @@
           <a:p>
             <a:r>
               <a:rPr lang="en-US" sz="1200" dirty="0"/>
-              <a:t>parse(“1”)</a:t>
+              <a:t>parse(“1 c/s”)</a:t>
             </a:r>
           </a:p>
         </p:txBody>
@@ -4732,8 +4732,8 @@
         </p:nvSpPr>
         <p:spPr>
           <a:xfrm>
-            <a:off x="1742982" y="2850922"/>
-            <a:ext cx="1424846" cy="215444"/>
+            <a:off x="1676400" y="2850922"/>
+            <a:ext cx="1539143" cy="215444"/>
           </a:xfrm>
           <a:prstGeom prst="rect">
             <a:avLst/>
@@ -4759,7 +4759,7 @@
           <a:p>
             <a:r>
               <a:rPr lang="en-US" dirty="0"/>
-              <a:t>parse(“delete 1”)</a:t>
+              <a:t>parse(“delete 1 c/s”)</a:t>
             </a:r>
           </a:p>
         </p:txBody>
